--- a/Case Study 1.pptx
+++ b/Case Study 1.pptx
@@ -131,13 +131,473 @@
 <p1510:revInfo xmlns:a="http://schemas.openxmlformats.org/drawingml/2006/main" xmlns:r="http://schemas.openxmlformats.org/officeDocument/2006/relationships" xmlns:p1510="http://schemas.microsoft.com/office/powerpoint/2015/10/main">
   <p1510:revLst>
     <p1510:client id="{2E517008-7565-4B4F-9F39-8AFACFAE00DB}" v="602" dt="2024-03-09T05:45:39.457"/>
-    <p1510:client id="{D5CE74E9-1282-48B4-85AE-8762ABDF1ABA}" v="1200" dt="2024-03-09T05:36:50.428"/>
+    <p1510:client id="{D5CE74E9-1282-48B4-85AE-8762ABDF1ABA}" v="1202" dt="2024-03-10T01:51:56.227"/>
   </p1510:revLst>
 </p1510:revInfo>
 </file>
 
 <file path=ppt/changesInfos/changesInfo1.xml><?xml version="1.0" encoding="utf-8"?>
 <pc:chgInfo xmlns:a="http://schemas.openxmlformats.org/drawingml/2006/main" xmlns:r="http://schemas.openxmlformats.org/officeDocument/2006/relationships" xmlns:ac="http://schemas.microsoft.com/office/drawing/2013/main/command" xmlns:pc="http://schemas.microsoft.com/office/powerpoint/2013/main/command">
+  <pc:docChgLst>
+    <pc:chgData name="Kosi Okeke" userId="84c5b2b12e6fd948" providerId="Windows Live" clId="Web-{38A5033D-EB7F-4CF6-9404-D3C4300581F5}"/>
+    <pc:docChg chg="modSld">
+      <pc:chgData name="Kosi Okeke" userId="84c5b2b12e6fd948" providerId="Windows Live" clId="Web-{38A5033D-EB7F-4CF6-9404-D3C4300581F5}" dt="2024-02-27T03:56:35.642" v="67"/>
+      <pc:docMkLst>
+        <pc:docMk/>
+      </pc:docMkLst>
+      <pc:sldChg chg="addSp modSp addAnim">
+        <pc:chgData name="Kosi Okeke" userId="84c5b2b12e6fd948" providerId="Windows Live" clId="Web-{38A5033D-EB7F-4CF6-9404-D3C4300581F5}" dt="2024-02-27T03:51:21.351" v="28"/>
+        <pc:sldMkLst>
+          <pc:docMk/>
+          <pc:sldMk cId="201838432" sldId="258"/>
+        </pc:sldMkLst>
+        <pc:spChg chg="mod">
+          <ac:chgData name="Kosi Okeke" userId="84c5b2b12e6fd948" providerId="Windows Live" clId="Web-{38A5033D-EB7F-4CF6-9404-D3C4300581F5}" dt="2024-02-27T03:50:58.271" v="26" actId="14100"/>
+          <ac:spMkLst>
+            <pc:docMk/>
+            <pc:sldMk cId="201838432" sldId="258"/>
+            <ac:spMk id="3" creationId="{5BDF7291-F587-6863-08C2-F8D557C6DF19}"/>
+          </ac:spMkLst>
+        </pc:spChg>
+        <pc:spChg chg="add mod">
+          <ac:chgData name="Kosi Okeke" userId="84c5b2b12e6fd948" providerId="Windows Live" clId="Web-{38A5033D-EB7F-4CF6-9404-D3C4300581F5}" dt="2024-02-27T03:50:08.533" v="15" actId="1076"/>
+          <ac:spMkLst>
+            <pc:docMk/>
+            <pc:sldMk cId="201838432" sldId="258"/>
+            <ac:spMk id="4" creationId="{5322C9BC-AED3-AB8D-7127-52377DE77F4B}"/>
+          </ac:spMkLst>
+        </pc:spChg>
+        <pc:spChg chg="add mod">
+          <ac:chgData name="Kosi Okeke" userId="84c5b2b12e6fd948" providerId="Windows Live" clId="Web-{38A5033D-EB7F-4CF6-9404-D3C4300581F5}" dt="2024-02-27T03:50:52.396" v="25" actId="20577"/>
+          <ac:spMkLst>
+            <pc:docMk/>
+            <pc:sldMk cId="201838432" sldId="258"/>
+            <ac:spMk id="6" creationId="{B0D7878E-13C0-E702-5ED1-45EECE4A487E}"/>
+          </ac:spMkLst>
+        </pc:spChg>
+      </pc:sldChg>
+      <pc:sldChg chg="addSp delSp modSp addAnim delAnim modAnim">
+        <pc:chgData name="Kosi Okeke" userId="84c5b2b12e6fd948" providerId="Windows Live" clId="Web-{38A5033D-EB7F-4CF6-9404-D3C4300581F5}" dt="2024-02-27T03:55:42.294" v="65"/>
+        <pc:sldMkLst>
+          <pc:docMk/>
+          <pc:sldMk cId="4199086376" sldId="260"/>
+        </pc:sldMkLst>
+        <pc:spChg chg="add del mod">
+          <ac:chgData name="Kosi Okeke" userId="84c5b2b12e6fd948" providerId="Windows Live" clId="Web-{38A5033D-EB7F-4CF6-9404-D3C4300581F5}" dt="2024-02-27T03:53:05.390" v="46"/>
+          <ac:spMkLst>
+            <pc:docMk/>
+            <pc:sldMk cId="4199086376" sldId="260"/>
+            <ac:spMk id="3" creationId="{60E4F471-C81B-3AB2-A873-1C5364B6F819}"/>
+          </ac:spMkLst>
+        </pc:spChg>
+        <pc:spChg chg="add mod">
+          <ac:chgData name="Kosi Okeke" userId="84c5b2b12e6fd948" providerId="Windows Live" clId="Web-{38A5033D-EB7F-4CF6-9404-D3C4300581F5}" dt="2024-02-27T03:52:24.012" v="41" actId="14100"/>
+          <ac:spMkLst>
+            <pc:docMk/>
+            <pc:sldMk cId="4199086376" sldId="260"/>
+            <ac:spMk id="5" creationId="{4CF32C30-BC84-C8DE-25DA-BF3151C97348}"/>
+          </ac:spMkLst>
+        </pc:spChg>
+        <pc:spChg chg="add del mod">
+          <ac:chgData name="Kosi Okeke" userId="84c5b2b12e6fd948" providerId="Windows Live" clId="Web-{38A5033D-EB7F-4CF6-9404-D3C4300581F5}" dt="2024-02-27T03:53:05.390" v="46"/>
+          <ac:spMkLst>
+            <pc:docMk/>
+            <pc:sldMk cId="4199086376" sldId="260"/>
+            <ac:spMk id="7" creationId="{0D9532A7-0FBA-C240-8884-37B09406FE69}"/>
+          </ac:spMkLst>
+        </pc:spChg>
+      </pc:sldChg>
+      <pc:sldChg chg="addAnim">
+        <pc:chgData name="Kosi Okeke" userId="84c5b2b12e6fd948" providerId="Windows Live" clId="Web-{38A5033D-EB7F-4CF6-9404-D3C4300581F5}" dt="2024-02-27T03:56:35.642" v="67"/>
+        <pc:sldMkLst>
+          <pc:docMk/>
+          <pc:sldMk cId="913092285" sldId="262"/>
+        </pc:sldMkLst>
+      </pc:sldChg>
+    </pc:docChg>
+  </pc:docChgLst>
+  <pc:docChgLst>
+    <pc:chgData name="Kosi Okeke" userId="84c5b2b12e6fd948" providerId="LiveId" clId="{2E517008-7565-4B4F-9F39-8AFACFAE00DB}"/>
+    <pc:docChg chg="undo custSel addSld modSld sldOrd">
+      <pc:chgData name="Kosi Okeke" userId="84c5b2b12e6fd948" providerId="LiveId" clId="{2E517008-7565-4B4F-9F39-8AFACFAE00DB}" dt="2024-03-09T05:45:39.456" v="965" actId="20577"/>
+      <pc:docMkLst>
+        <pc:docMk/>
+      </pc:docMkLst>
+      <pc:sldChg chg="addSp delSp modSp mod delAnim modAnim">
+        <pc:chgData name="Kosi Okeke" userId="84c5b2b12e6fd948" providerId="LiveId" clId="{2E517008-7565-4B4F-9F39-8AFACFAE00DB}" dt="2024-03-09T00:25:46.278" v="413" actId="20577"/>
+        <pc:sldMkLst>
+          <pc:docMk/>
+          <pc:sldMk cId="1679444354" sldId="257"/>
+        </pc:sldMkLst>
+        <pc:spChg chg="mod">
+          <ac:chgData name="Kosi Okeke" userId="84c5b2b12e6fd948" providerId="LiveId" clId="{2E517008-7565-4B4F-9F39-8AFACFAE00DB}" dt="2024-03-09T00:23:29.893" v="403" actId="20577"/>
+          <ac:spMkLst>
+            <pc:docMk/>
+            <pc:sldMk cId="1679444354" sldId="257"/>
+            <ac:spMk id="2" creationId="{D1F94AFE-5D23-830D-B473-C93ECEC77A4E}"/>
+          </ac:spMkLst>
+        </pc:spChg>
+        <pc:spChg chg="mod">
+          <ac:chgData name="Kosi Okeke" userId="84c5b2b12e6fd948" providerId="LiveId" clId="{2E517008-7565-4B4F-9F39-8AFACFAE00DB}" dt="2024-03-09T00:25:46.278" v="413" actId="20577"/>
+          <ac:spMkLst>
+            <pc:docMk/>
+            <pc:sldMk cId="1679444354" sldId="257"/>
+            <ac:spMk id="4" creationId="{2A7C643C-9103-AC7A-5EAE-26681E29BA67}"/>
+          </ac:spMkLst>
+        </pc:spChg>
+        <pc:spChg chg="mod">
+          <ac:chgData name="Kosi Okeke" userId="84c5b2b12e6fd948" providerId="LiveId" clId="{2E517008-7565-4B4F-9F39-8AFACFAE00DB}" dt="2024-03-09T00:25:42.846" v="412" actId="20577"/>
+          <ac:spMkLst>
+            <pc:docMk/>
+            <pc:sldMk cId="1679444354" sldId="257"/>
+            <ac:spMk id="5" creationId="{EE7AFDD5-C6CB-16F2-B5CA-D6E44E3734B6}"/>
+          </ac:spMkLst>
+        </pc:spChg>
+        <pc:spChg chg="mod">
+          <ac:chgData name="Kosi Okeke" userId="84c5b2b12e6fd948" providerId="LiveId" clId="{2E517008-7565-4B4F-9F39-8AFACFAE00DB}" dt="2024-03-09T00:25:39.708" v="410" actId="20577"/>
+          <ac:spMkLst>
+            <pc:docMk/>
+            <pc:sldMk cId="1679444354" sldId="257"/>
+            <ac:spMk id="7" creationId="{4E1B6431-219F-8770-D99F-FFE350879909}"/>
+          </ac:spMkLst>
+        </pc:spChg>
+        <pc:spChg chg="add mod">
+          <ac:chgData name="Kosi Okeke" userId="84c5b2b12e6fd948" providerId="LiveId" clId="{2E517008-7565-4B4F-9F39-8AFACFAE00DB}" dt="2024-03-09T00:22:18.064" v="387" actId="1076"/>
+          <ac:spMkLst>
+            <pc:docMk/>
+            <pc:sldMk cId="1679444354" sldId="257"/>
+            <ac:spMk id="12" creationId="{2120EBFA-40E2-7135-CF79-CEB4AAD932C1}"/>
+          </ac:spMkLst>
+        </pc:spChg>
+        <pc:spChg chg="add mod">
+          <ac:chgData name="Kosi Okeke" userId="84c5b2b12e6fd948" providerId="LiveId" clId="{2E517008-7565-4B4F-9F39-8AFACFAE00DB}" dt="2024-03-09T00:22:23.944" v="388" actId="1076"/>
+          <ac:spMkLst>
+            <pc:docMk/>
+            <pc:sldMk cId="1679444354" sldId="257"/>
+            <ac:spMk id="35" creationId="{0DE8E502-156D-F4D1-5F56-5B57E8652622}"/>
+          </ac:spMkLst>
+        </pc:spChg>
+        <pc:spChg chg="add mod">
+          <ac:chgData name="Kosi Okeke" userId="84c5b2b12e6fd948" providerId="LiveId" clId="{2E517008-7565-4B4F-9F39-8AFACFAE00DB}" dt="2024-03-09T00:23:15.414" v="391" actId="1076"/>
+          <ac:spMkLst>
+            <pc:docMk/>
+            <pc:sldMk cId="1679444354" sldId="257"/>
+            <ac:spMk id="36" creationId="{976E519A-E2AE-C64C-1032-92FA6E2A142D}"/>
+          </ac:spMkLst>
+        </pc:spChg>
+        <pc:picChg chg="mod">
+          <ac:chgData name="Kosi Okeke" userId="84c5b2b12e6fd948" providerId="LiveId" clId="{2E517008-7565-4B4F-9F39-8AFACFAE00DB}" dt="2024-03-09T00:22:05.142" v="384" actId="1076"/>
+          <ac:picMkLst>
+            <pc:docMk/>
+            <pc:sldMk cId="1679444354" sldId="257"/>
+            <ac:picMk id="3" creationId="{9226CC28-63AD-B97A-6329-5633C48298A6}"/>
+          </ac:picMkLst>
+        </pc:picChg>
+        <pc:cxnChg chg="add del mod">
+          <ac:chgData name="Kosi Okeke" userId="84c5b2b12e6fd948" providerId="LiveId" clId="{2E517008-7565-4B4F-9F39-8AFACFAE00DB}" dt="2024-03-09T00:21:28.849" v="378" actId="478"/>
+          <ac:cxnSpMkLst>
+            <pc:docMk/>
+            <pc:sldMk cId="1679444354" sldId="257"/>
+            <ac:cxnSpMk id="9" creationId="{4B32EEF0-FA34-6D7A-A12A-0A2F0CE6FC56}"/>
+          </ac:cxnSpMkLst>
+        </pc:cxnChg>
+      </pc:sldChg>
+      <pc:sldChg chg="delSp modSp mod addAnim delAnim modAnim">
+        <pc:chgData name="Kosi Okeke" userId="84c5b2b12e6fd948" providerId="LiveId" clId="{2E517008-7565-4B4F-9F39-8AFACFAE00DB}" dt="2024-03-09T02:09:34.438" v="669"/>
+        <pc:sldMkLst>
+          <pc:docMk/>
+          <pc:sldMk cId="201838432" sldId="258"/>
+        </pc:sldMkLst>
+        <pc:spChg chg="mod">
+          <ac:chgData name="Kosi Okeke" userId="84c5b2b12e6fd948" providerId="LiveId" clId="{2E517008-7565-4B4F-9F39-8AFACFAE00DB}" dt="2024-03-09T02:07:11.749" v="651" actId="15"/>
+          <ac:spMkLst>
+            <pc:docMk/>
+            <pc:sldMk cId="201838432" sldId="258"/>
+            <ac:spMk id="3" creationId="{5BDF7291-F587-6863-08C2-F8D557C6DF19}"/>
+          </ac:spMkLst>
+        </pc:spChg>
+        <pc:spChg chg="del mod">
+          <ac:chgData name="Kosi Okeke" userId="84c5b2b12e6fd948" providerId="LiveId" clId="{2E517008-7565-4B4F-9F39-8AFACFAE00DB}" dt="2024-03-09T02:06:29.959" v="645" actId="478"/>
+          <ac:spMkLst>
+            <pc:docMk/>
+            <pc:sldMk cId="201838432" sldId="258"/>
+            <ac:spMk id="4" creationId="{5322C9BC-AED3-AB8D-7127-52377DE77F4B}"/>
+          </ac:spMkLst>
+        </pc:spChg>
+        <pc:spChg chg="del mod">
+          <ac:chgData name="Kosi Okeke" userId="84c5b2b12e6fd948" providerId="LiveId" clId="{2E517008-7565-4B4F-9F39-8AFACFAE00DB}" dt="2024-03-09T02:06:15.303" v="642" actId="478"/>
+          <ac:spMkLst>
+            <pc:docMk/>
+            <pc:sldMk cId="201838432" sldId="258"/>
+            <ac:spMk id="6" creationId="{B0D7878E-13C0-E702-5ED1-45EECE4A487E}"/>
+          </ac:spMkLst>
+        </pc:spChg>
+        <pc:picChg chg="mod">
+          <ac:chgData name="Kosi Okeke" userId="84c5b2b12e6fd948" providerId="LiveId" clId="{2E517008-7565-4B4F-9F39-8AFACFAE00DB}" dt="2024-03-09T02:07:25.860" v="654" actId="14100"/>
+          <ac:picMkLst>
+            <pc:docMk/>
+            <pc:sldMk cId="201838432" sldId="258"/>
+            <ac:picMk id="9" creationId="{19C6A470-F770-A7D2-BF22-F7840604E013}"/>
+          </ac:picMkLst>
+        </pc:picChg>
+      </pc:sldChg>
+      <pc:sldChg chg="modSp mod modAnim">
+        <pc:chgData name="Kosi Okeke" userId="84c5b2b12e6fd948" providerId="LiveId" clId="{2E517008-7565-4B4F-9F39-8AFACFAE00DB}" dt="2024-03-09T02:24:51.626" v="691"/>
+        <pc:sldMkLst>
+          <pc:docMk/>
+          <pc:sldMk cId="1575765962" sldId="259"/>
+        </pc:sldMkLst>
+        <pc:spChg chg="mod">
+          <ac:chgData name="Kosi Okeke" userId="84c5b2b12e6fd948" providerId="LiveId" clId="{2E517008-7565-4B4F-9F39-8AFACFAE00DB}" dt="2024-03-09T01:17:54.338" v="491" actId="1076"/>
+          <ac:spMkLst>
+            <pc:docMk/>
+            <pc:sldMk cId="1575765962" sldId="259"/>
+            <ac:spMk id="2" creationId="{94B6110E-BA9F-C3C4-4DD2-8B0F9A7E2347}"/>
+          </ac:spMkLst>
+        </pc:spChg>
+        <pc:picChg chg="mod">
+          <ac:chgData name="Kosi Okeke" userId="84c5b2b12e6fd948" providerId="LiveId" clId="{2E517008-7565-4B4F-9F39-8AFACFAE00DB}" dt="2024-03-09T01:32:34.201" v="508" actId="1076"/>
+          <ac:picMkLst>
+            <pc:docMk/>
+            <pc:sldMk cId="1575765962" sldId="259"/>
+            <ac:picMk id="7" creationId="{9B9649B8-2284-5DF8-A9B8-0801C0C6778D}"/>
+          </ac:picMkLst>
+        </pc:picChg>
+      </pc:sldChg>
+      <pc:sldChg chg="addSp modSp mod modAnim modNotesTx">
+        <pc:chgData name="Kosi Okeke" userId="84c5b2b12e6fd948" providerId="LiveId" clId="{2E517008-7565-4B4F-9F39-8AFACFAE00DB}" dt="2024-03-09T02:16:06.210" v="690" actId="20577"/>
+        <pc:sldMkLst>
+          <pc:docMk/>
+          <pc:sldMk cId="4199086376" sldId="260"/>
+        </pc:sldMkLst>
+        <pc:spChg chg="add mod">
+          <ac:chgData name="Kosi Okeke" userId="84c5b2b12e6fd948" providerId="LiveId" clId="{2E517008-7565-4B4F-9F39-8AFACFAE00DB}" dt="2024-03-09T01:46:02.468" v="636" actId="208"/>
+          <ac:spMkLst>
+            <pc:docMk/>
+            <pc:sldMk cId="4199086376" sldId="260"/>
+            <ac:spMk id="4" creationId="{F0FD3CCC-01EE-FCB9-8C97-BBF7E6E82FFD}"/>
+          </ac:spMkLst>
+        </pc:spChg>
+        <pc:spChg chg="add mod">
+          <ac:chgData name="Kosi Okeke" userId="84c5b2b12e6fd948" providerId="LiveId" clId="{2E517008-7565-4B4F-9F39-8AFACFAE00DB}" dt="2024-03-09T01:44:37.949" v="625" actId="1076"/>
+          <ac:spMkLst>
+            <pc:docMk/>
+            <pc:sldMk cId="4199086376" sldId="260"/>
+            <ac:spMk id="7" creationId="{112E518B-BD3D-3D8E-F7E6-B96C3B9EA4CF}"/>
+          </ac:spMkLst>
+        </pc:spChg>
+        <pc:picChg chg="mod">
+          <ac:chgData name="Kosi Okeke" userId="84c5b2b12e6fd948" providerId="LiveId" clId="{2E517008-7565-4B4F-9F39-8AFACFAE00DB}" dt="2024-03-09T01:44:48.946" v="629" actId="1076"/>
+          <ac:picMkLst>
+            <pc:docMk/>
+            <pc:sldMk cId="4199086376" sldId="260"/>
+            <ac:picMk id="8" creationId="{D3D2CF98-F541-E159-1C42-708BA3089664}"/>
+          </ac:picMkLst>
+        </pc:picChg>
+        <pc:picChg chg="mod">
+          <ac:chgData name="Kosi Okeke" userId="84c5b2b12e6fd948" providerId="LiveId" clId="{2E517008-7565-4B4F-9F39-8AFACFAE00DB}" dt="2024-03-09T01:44:32.579" v="624" actId="1076"/>
+          <ac:picMkLst>
+            <pc:docMk/>
+            <pc:sldMk cId="4199086376" sldId="260"/>
+            <ac:picMk id="9" creationId="{067AD37A-2F24-AAD4-6437-A1A3C58E76F0}"/>
+          </ac:picMkLst>
+        </pc:picChg>
+      </pc:sldChg>
+      <pc:sldChg chg="modAnim">
+        <pc:chgData name="Kosi Okeke" userId="84c5b2b12e6fd948" providerId="LiveId" clId="{2E517008-7565-4B4F-9F39-8AFACFAE00DB}" dt="2024-03-09T02:25:44.879" v="692"/>
+        <pc:sldMkLst>
+          <pc:docMk/>
+          <pc:sldMk cId="2017348446" sldId="261"/>
+        </pc:sldMkLst>
+      </pc:sldChg>
+      <pc:sldChg chg="modSp mod modAnim modNotesTx">
+        <pc:chgData name="Kosi Okeke" userId="84c5b2b12e6fd948" providerId="LiveId" clId="{2E517008-7565-4B4F-9F39-8AFACFAE00DB}" dt="2024-03-09T05:28:14.160" v="964" actId="33524"/>
+        <pc:sldMkLst>
+          <pc:docMk/>
+          <pc:sldMk cId="913092285" sldId="262"/>
+        </pc:sldMkLst>
+        <pc:spChg chg="mod">
+          <ac:chgData name="Kosi Okeke" userId="84c5b2b12e6fd948" providerId="LiveId" clId="{2E517008-7565-4B4F-9F39-8AFACFAE00DB}" dt="2024-03-09T02:39:11.867" v="915" actId="20577"/>
+          <ac:spMkLst>
+            <pc:docMk/>
+            <pc:sldMk cId="913092285" sldId="262"/>
+            <ac:spMk id="3" creationId="{5D9F5D07-7826-1E05-0BC2-929FB8EA99B9}"/>
+          </ac:spMkLst>
+        </pc:spChg>
+        <pc:picChg chg="mod">
+          <ac:chgData name="Kosi Okeke" userId="84c5b2b12e6fd948" providerId="LiveId" clId="{2E517008-7565-4B4F-9F39-8AFACFAE00DB}" dt="2024-03-09T02:38:26.731" v="907" actId="14100"/>
+          <ac:picMkLst>
+            <pc:docMk/>
+            <pc:sldMk cId="913092285" sldId="262"/>
+            <ac:picMk id="6" creationId="{9014A9C7-2D78-009A-7CB0-B3E05D84AD28}"/>
+          </ac:picMkLst>
+        </pc:picChg>
+      </pc:sldChg>
+      <pc:sldChg chg="modNotesTx">
+        <pc:chgData name="Kosi Okeke" userId="84c5b2b12e6fd948" providerId="LiveId" clId="{2E517008-7565-4B4F-9F39-8AFACFAE00DB}" dt="2024-03-09T05:13:53.508" v="963" actId="12"/>
+        <pc:sldMkLst>
+          <pc:docMk/>
+          <pc:sldMk cId="2933674498" sldId="264"/>
+        </pc:sldMkLst>
+      </pc:sldChg>
+      <pc:sldChg chg="modSp new mod modAnim">
+        <pc:chgData name="Kosi Okeke" userId="84c5b2b12e6fd948" providerId="LiveId" clId="{2E517008-7565-4B4F-9F39-8AFACFAE00DB}" dt="2024-03-09T03:00:51.148" v="926"/>
+        <pc:sldMkLst>
+          <pc:docMk/>
+          <pc:sldMk cId="1130659118" sldId="265"/>
+        </pc:sldMkLst>
+        <pc:spChg chg="mod">
+          <ac:chgData name="Kosi Okeke" userId="84c5b2b12e6fd948" providerId="LiveId" clId="{2E517008-7565-4B4F-9F39-8AFACFAE00DB}" dt="2024-03-08T23:59:44.876" v="32" actId="6549"/>
+          <ac:spMkLst>
+            <pc:docMk/>
+            <pc:sldMk cId="1130659118" sldId="265"/>
+            <ac:spMk id="2" creationId="{B3396D56-2D27-71B4-82E9-12509FAF9248}"/>
+          </ac:spMkLst>
+        </pc:spChg>
+        <pc:spChg chg="mod">
+          <ac:chgData name="Kosi Okeke" userId="84c5b2b12e6fd948" providerId="LiveId" clId="{2E517008-7565-4B4F-9F39-8AFACFAE00DB}" dt="2024-03-09T02:11:45.873" v="676" actId="20577"/>
+          <ac:spMkLst>
+            <pc:docMk/>
+            <pc:sldMk cId="1130659118" sldId="265"/>
+            <ac:spMk id="3" creationId="{51E50F62-1A0B-4405-BA7C-C6B35D8AD6FE}"/>
+          </ac:spMkLst>
+        </pc:spChg>
+      </pc:sldChg>
+      <pc:sldChg chg="addSp delSp modSp new mod ord delAnim modAnim modNotesTx">
+        <pc:chgData name="Kosi Okeke" userId="84c5b2b12e6fd948" providerId="LiveId" clId="{2E517008-7565-4B4F-9F39-8AFACFAE00DB}" dt="2024-03-09T02:13:55.299" v="679"/>
+        <pc:sldMkLst>
+          <pc:docMk/>
+          <pc:sldMk cId="715891709" sldId="266"/>
+        </pc:sldMkLst>
+        <pc:spChg chg="mod">
+          <ac:chgData name="Kosi Okeke" userId="84c5b2b12e6fd948" providerId="LiveId" clId="{2E517008-7565-4B4F-9F39-8AFACFAE00DB}" dt="2024-03-09T01:18:00.527" v="492" actId="1076"/>
+          <ac:spMkLst>
+            <pc:docMk/>
+            <pc:sldMk cId="715891709" sldId="266"/>
+            <ac:spMk id="2" creationId="{910451BF-D606-9D34-B293-CACE8EAE7EAC}"/>
+          </ac:spMkLst>
+        </pc:spChg>
+        <pc:spChg chg="del">
+          <ac:chgData name="Kosi Okeke" userId="84c5b2b12e6fd948" providerId="LiveId" clId="{2E517008-7565-4B4F-9F39-8AFACFAE00DB}" dt="2024-03-09T01:16:51.945" v="485"/>
+          <ac:spMkLst>
+            <pc:docMk/>
+            <pc:sldMk cId="715891709" sldId="266"/>
+            <ac:spMk id="3" creationId="{A281BF64-F02D-5E2A-367E-1C133C45FA68}"/>
+          </ac:spMkLst>
+        </pc:spChg>
+        <pc:spChg chg="add del mod">
+          <ac:chgData name="Kosi Okeke" userId="84c5b2b12e6fd948" providerId="LiveId" clId="{2E517008-7565-4B4F-9F39-8AFACFAE00DB}" dt="2024-03-09T01:34:48.182" v="540" actId="21"/>
+          <ac:spMkLst>
+            <pc:docMk/>
+            <pc:sldMk cId="715891709" sldId="266"/>
+            <ac:spMk id="5" creationId="{43FCC35E-BCF2-F1A2-30BB-0E50DCF4C10F}"/>
+          </ac:spMkLst>
+        </pc:spChg>
+        <pc:spChg chg="add mod">
+          <ac:chgData name="Kosi Okeke" userId="84c5b2b12e6fd948" providerId="LiveId" clId="{2E517008-7565-4B4F-9F39-8AFACFAE00DB}" dt="2024-03-09T01:35:01.596" v="543" actId="1076"/>
+          <ac:spMkLst>
+            <pc:docMk/>
+            <pc:sldMk cId="715891709" sldId="266"/>
+            <ac:spMk id="6" creationId="{50ADCCAF-F4AC-C7C0-B49F-A6485FDB616D}"/>
+          </ac:spMkLst>
+        </pc:spChg>
+        <pc:spChg chg="add mod">
+          <ac:chgData name="Kosi Okeke" userId="84c5b2b12e6fd948" providerId="LiveId" clId="{2E517008-7565-4B4F-9F39-8AFACFAE00DB}" dt="2024-03-09T01:36:53.720" v="553" actId="1076"/>
+          <ac:spMkLst>
+            <pc:docMk/>
+            <pc:sldMk cId="715891709" sldId="266"/>
+            <ac:spMk id="7" creationId="{1959EDBF-92A4-5637-5A2E-150131CBB91A}"/>
+          </ac:spMkLst>
+        </pc:spChg>
+        <pc:picChg chg="add mod">
+          <ac:chgData name="Kosi Okeke" userId="84c5b2b12e6fd948" providerId="LiveId" clId="{2E517008-7565-4B4F-9F39-8AFACFAE00DB}" dt="2024-03-09T01:35:26.470" v="547" actId="1076"/>
+          <ac:picMkLst>
+            <pc:docMk/>
+            <pc:sldMk cId="715891709" sldId="266"/>
+            <ac:picMk id="4" creationId="{BAE77F65-BFE8-7057-0F88-D967FB8EBD07}"/>
+          </ac:picMkLst>
+        </pc:picChg>
+      </pc:sldChg>
+      <pc:sldChg chg="addSp delSp modSp new mod ord delAnim modAnim modNotesTx">
+        <pc:chgData name="Kosi Okeke" userId="84c5b2b12e6fd948" providerId="LiveId" clId="{2E517008-7565-4B4F-9F39-8AFACFAE00DB}" dt="2024-03-09T02:14:07.046" v="680" actId="12"/>
+        <pc:sldMkLst>
+          <pc:docMk/>
+          <pc:sldMk cId="2145461783" sldId="267"/>
+        </pc:sldMkLst>
+        <pc:spChg chg="mod">
+          <ac:chgData name="Kosi Okeke" userId="84c5b2b12e6fd948" providerId="LiveId" clId="{2E517008-7565-4B4F-9F39-8AFACFAE00DB}" dt="2024-03-09T01:17:38.735" v="490" actId="1076"/>
+          <ac:spMkLst>
+            <pc:docMk/>
+            <pc:sldMk cId="2145461783" sldId="267"/>
+            <ac:spMk id="2" creationId="{1B5C8317-9B0A-CCE7-48B2-F2FD3B0955F0}"/>
+          </ac:spMkLst>
+        </pc:spChg>
+        <pc:spChg chg="del">
+          <ac:chgData name="Kosi Okeke" userId="84c5b2b12e6fd948" providerId="LiveId" clId="{2E517008-7565-4B4F-9F39-8AFACFAE00DB}" dt="2024-03-09T01:17:00.095" v="486"/>
+          <ac:spMkLst>
+            <pc:docMk/>
+            <pc:sldMk cId="2145461783" sldId="267"/>
+            <ac:spMk id="3" creationId="{77454A45-9349-B53F-7F41-B6BDF291C40E}"/>
+          </ac:spMkLst>
+        </pc:spChg>
+        <pc:spChg chg="add del mod">
+          <ac:chgData name="Kosi Okeke" userId="84c5b2b12e6fd948" providerId="LiveId" clId="{2E517008-7565-4B4F-9F39-8AFACFAE00DB}" dt="2024-03-09T01:34:36.408" v="537" actId="21"/>
+          <ac:spMkLst>
+            <pc:docMk/>
+            <pc:sldMk cId="2145461783" sldId="267"/>
+            <ac:spMk id="5" creationId="{50ADCCAF-F4AC-C7C0-B49F-A6485FDB616D}"/>
+          </ac:spMkLst>
+        </pc:spChg>
+        <pc:spChg chg="add mod">
+          <ac:chgData name="Kosi Okeke" userId="84c5b2b12e6fd948" providerId="LiveId" clId="{2E517008-7565-4B4F-9F39-8AFACFAE00DB}" dt="2024-03-09T01:34:55.968" v="542" actId="1076"/>
+          <ac:spMkLst>
+            <pc:docMk/>
+            <pc:sldMk cId="2145461783" sldId="267"/>
+            <ac:spMk id="6" creationId="{43FCC35E-BCF2-F1A2-30BB-0E50DCF4C10F}"/>
+          </ac:spMkLst>
+        </pc:spChg>
+        <pc:spChg chg="add mod">
+          <ac:chgData name="Kosi Okeke" userId="84c5b2b12e6fd948" providerId="LiveId" clId="{2E517008-7565-4B4F-9F39-8AFACFAE00DB}" dt="2024-03-09T01:37:27.245" v="557" actId="1076"/>
+          <ac:spMkLst>
+            <pc:docMk/>
+            <pc:sldMk cId="2145461783" sldId="267"/>
+            <ac:spMk id="7" creationId="{47C356B7-ABAB-65ED-0559-C98D0485AC78}"/>
+          </ac:spMkLst>
+        </pc:spChg>
+        <pc:picChg chg="add mod">
+          <ac:chgData name="Kosi Okeke" userId="84c5b2b12e6fd948" providerId="LiveId" clId="{2E517008-7565-4B4F-9F39-8AFACFAE00DB}" dt="2024-03-09T01:35:22.304" v="546" actId="1076"/>
+          <ac:picMkLst>
+            <pc:docMk/>
+            <pc:sldMk cId="2145461783" sldId="267"/>
+            <ac:picMk id="4" creationId="{8E70A6FD-5464-6619-E67F-3D4491E8D338}"/>
+          </ac:picMkLst>
+        </pc:picChg>
+      </pc:sldChg>
+      <pc:sldChg chg="modSp mod modAnim modNotesTx">
+        <pc:chgData name="Kosi Okeke" userId="84c5b2b12e6fd948" providerId="LiveId" clId="{2E517008-7565-4B4F-9F39-8AFACFAE00DB}" dt="2024-03-09T05:45:39.456" v="965" actId="20577"/>
+        <pc:sldMkLst>
+          <pc:docMk/>
+          <pc:sldMk cId="1674003163" sldId="268"/>
+        </pc:sldMkLst>
+        <pc:spChg chg="mod">
+          <ac:chgData name="Kosi Okeke" userId="84c5b2b12e6fd948" providerId="LiveId" clId="{2E517008-7565-4B4F-9F39-8AFACFAE00DB}" dt="2024-03-09T05:11:41.649" v="958" actId="20577"/>
+          <ac:spMkLst>
+            <pc:docMk/>
+            <pc:sldMk cId="1674003163" sldId="268"/>
+            <ac:spMk id="2" creationId="{B777A994-E2B9-AA2B-C6E7-8BE7BB4BFA7F}"/>
+          </ac:spMkLst>
+        </pc:spChg>
+        <pc:spChg chg="mod">
+          <ac:chgData name="Kosi Okeke" userId="84c5b2b12e6fd948" providerId="LiveId" clId="{2E517008-7565-4B4F-9F39-8AFACFAE00DB}" dt="2024-03-09T05:45:39.456" v="965" actId="20577"/>
+          <ac:spMkLst>
+            <pc:docMk/>
+            <pc:sldMk cId="1674003163" sldId="268"/>
+            <ac:spMk id="10" creationId="{E6C365A8-A315-9B25-DC09-49B224C62262}"/>
+          </ac:spMkLst>
+        </pc:spChg>
+      </pc:sldChg>
+    </pc:docChg>
+  </pc:docChgLst>
   <pc:docChgLst>
     <pc:chgData name="Kosi Okeke" userId="84c5b2b12e6fd948" providerId="Windows Live" clId="Web-{37E60F67-CC4E-46F5-A119-7DE48FCFC888}"/>
     <pc:docChg chg="addSld modSld sldOrd">
@@ -278,391 +738,9 @@
     </pc:docChg>
   </pc:docChgLst>
   <pc:docChgLst>
-    <pc:chgData name="Kosi Okeke" userId="84c5b2b12e6fd948" providerId="LiveId" clId="{2E517008-7565-4B4F-9F39-8AFACFAE00DB}"/>
-    <pc:docChg chg="undo custSel addSld modSld sldOrd">
-      <pc:chgData name="Kosi Okeke" userId="84c5b2b12e6fd948" providerId="LiveId" clId="{2E517008-7565-4B4F-9F39-8AFACFAE00DB}" dt="2024-03-09T05:45:39.456" v="965" actId="20577"/>
-      <pc:docMkLst>
-        <pc:docMk/>
-      </pc:docMkLst>
-      <pc:sldChg chg="addSp delSp modSp mod delAnim modAnim">
-        <pc:chgData name="Kosi Okeke" userId="84c5b2b12e6fd948" providerId="LiveId" clId="{2E517008-7565-4B4F-9F39-8AFACFAE00DB}" dt="2024-03-09T00:25:46.278" v="413" actId="20577"/>
-        <pc:sldMkLst>
-          <pc:docMk/>
-          <pc:sldMk cId="1679444354" sldId="257"/>
-        </pc:sldMkLst>
-        <pc:spChg chg="mod">
-          <ac:chgData name="Kosi Okeke" userId="84c5b2b12e6fd948" providerId="LiveId" clId="{2E517008-7565-4B4F-9F39-8AFACFAE00DB}" dt="2024-03-09T00:23:29.893" v="403" actId="20577"/>
-          <ac:spMkLst>
-            <pc:docMk/>
-            <pc:sldMk cId="1679444354" sldId="257"/>
-            <ac:spMk id="2" creationId="{D1F94AFE-5D23-830D-B473-C93ECEC77A4E}"/>
-          </ac:spMkLst>
-        </pc:spChg>
-        <pc:spChg chg="mod">
-          <ac:chgData name="Kosi Okeke" userId="84c5b2b12e6fd948" providerId="LiveId" clId="{2E517008-7565-4B4F-9F39-8AFACFAE00DB}" dt="2024-03-09T00:25:46.278" v="413" actId="20577"/>
-          <ac:spMkLst>
-            <pc:docMk/>
-            <pc:sldMk cId="1679444354" sldId="257"/>
-            <ac:spMk id="4" creationId="{2A7C643C-9103-AC7A-5EAE-26681E29BA67}"/>
-          </ac:spMkLst>
-        </pc:spChg>
-        <pc:spChg chg="mod">
-          <ac:chgData name="Kosi Okeke" userId="84c5b2b12e6fd948" providerId="LiveId" clId="{2E517008-7565-4B4F-9F39-8AFACFAE00DB}" dt="2024-03-09T00:25:42.846" v="412" actId="20577"/>
-          <ac:spMkLst>
-            <pc:docMk/>
-            <pc:sldMk cId="1679444354" sldId="257"/>
-            <ac:spMk id="5" creationId="{EE7AFDD5-C6CB-16F2-B5CA-D6E44E3734B6}"/>
-          </ac:spMkLst>
-        </pc:spChg>
-        <pc:spChg chg="mod">
-          <ac:chgData name="Kosi Okeke" userId="84c5b2b12e6fd948" providerId="LiveId" clId="{2E517008-7565-4B4F-9F39-8AFACFAE00DB}" dt="2024-03-09T00:25:39.708" v="410" actId="20577"/>
-          <ac:spMkLst>
-            <pc:docMk/>
-            <pc:sldMk cId="1679444354" sldId="257"/>
-            <ac:spMk id="7" creationId="{4E1B6431-219F-8770-D99F-FFE350879909}"/>
-          </ac:spMkLst>
-        </pc:spChg>
-        <pc:spChg chg="add mod">
-          <ac:chgData name="Kosi Okeke" userId="84c5b2b12e6fd948" providerId="LiveId" clId="{2E517008-7565-4B4F-9F39-8AFACFAE00DB}" dt="2024-03-09T00:22:18.064" v="387" actId="1076"/>
-          <ac:spMkLst>
-            <pc:docMk/>
-            <pc:sldMk cId="1679444354" sldId="257"/>
-            <ac:spMk id="12" creationId="{2120EBFA-40E2-7135-CF79-CEB4AAD932C1}"/>
-          </ac:spMkLst>
-        </pc:spChg>
-        <pc:spChg chg="add mod">
-          <ac:chgData name="Kosi Okeke" userId="84c5b2b12e6fd948" providerId="LiveId" clId="{2E517008-7565-4B4F-9F39-8AFACFAE00DB}" dt="2024-03-09T00:22:23.944" v="388" actId="1076"/>
-          <ac:spMkLst>
-            <pc:docMk/>
-            <pc:sldMk cId="1679444354" sldId="257"/>
-            <ac:spMk id="35" creationId="{0DE8E502-156D-F4D1-5F56-5B57E8652622}"/>
-          </ac:spMkLst>
-        </pc:spChg>
-        <pc:spChg chg="add mod">
-          <ac:chgData name="Kosi Okeke" userId="84c5b2b12e6fd948" providerId="LiveId" clId="{2E517008-7565-4B4F-9F39-8AFACFAE00DB}" dt="2024-03-09T00:23:15.414" v="391" actId="1076"/>
-          <ac:spMkLst>
-            <pc:docMk/>
-            <pc:sldMk cId="1679444354" sldId="257"/>
-            <ac:spMk id="36" creationId="{976E519A-E2AE-C64C-1032-92FA6E2A142D}"/>
-          </ac:spMkLst>
-        </pc:spChg>
-        <pc:picChg chg="mod">
-          <ac:chgData name="Kosi Okeke" userId="84c5b2b12e6fd948" providerId="LiveId" clId="{2E517008-7565-4B4F-9F39-8AFACFAE00DB}" dt="2024-03-09T00:22:05.142" v="384" actId="1076"/>
-          <ac:picMkLst>
-            <pc:docMk/>
-            <pc:sldMk cId="1679444354" sldId="257"/>
-            <ac:picMk id="3" creationId="{9226CC28-63AD-B97A-6329-5633C48298A6}"/>
-          </ac:picMkLst>
-        </pc:picChg>
-        <pc:cxnChg chg="add del mod">
-          <ac:chgData name="Kosi Okeke" userId="84c5b2b12e6fd948" providerId="LiveId" clId="{2E517008-7565-4B4F-9F39-8AFACFAE00DB}" dt="2024-03-09T00:21:28.849" v="378" actId="478"/>
-          <ac:cxnSpMkLst>
-            <pc:docMk/>
-            <pc:sldMk cId="1679444354" sldId="257"/>
-            <ac:cxnSpMk id="9" creationId="{4B32EEF0-FA34-6D7A-A12A-0A2F0CE6FC56}"/>
-          </ac:cxnSpMkLst>
-        </pc:cxnChg>
-      </pc:sldChg>
-      <pc:sldChg chg="delSp modSp mod addAnim delAnim modAnim">
-        <pc:chgData name="Kosi Okeke" userId="84c5b2b12e6fd948" providerId="LiveId" clId="{2E517008-7565-4B4F-9F39-8AFACFAE00DB}" dt="2024-03-09T02:09:34.438" v="669"/>
-        <pc:sldMkLst>
-          <pc:docMk/>
-          <pc:sldMk cId="201838432" sldId="258"/>
-        </pc:sldMkLst>
-        <pc:spChg chg="mod">
-          <ac:chgData name="Kosi Okeke" userId="84c5b2b12e6fd948" providerId="LiveId" clId="{2E517008-7565-4B4F-9F39-8AFACFAE00DB}" dt="2024-03-09T02:07:11.749" v="651" actId="15"/>
-          <ac:spMkLst>
-            <pc:docMk/>
-            <pc:sldMk cId="201838432" sldId="258"/>
-            <ac:spMk id="3" creationId="{5BDF7291-F587-6863-08C2-F8D557C6DF19}"/>
-          </ac:spMkLst>
-        </pc:spChg>
-        <pc:spChg chg="del mod">
-          <ac:chgData name="Kosi Okeke" userId="84c5b2b12e6fd948" providerId="LiveId" clId="{2E517008-7565-4B4F-9F39-8AFACFAE00DB}" dt="2024-03-09T02:06:29.959" v="645" actId="478"/>
-          <ac:spMkLst>
-            <pc:docMk/>
-            <pc:sldMk cId="201838432" sldId="258"/>
-            <ac:spMk id="4" creationId="{5322C9BC-AED3-AB8D-7127-52377DE77F4B}"/>
-          </ac:spMkLst>
-        </pc:spChg>
-        <pc:spChg chg="del mod">
-          <ac:chgData name="Kosi Okeke" userId="84c5b2b12e6fd948" providerId="LiveId" clId="{2E517008-7565-4B4F-9F39-8AFACFAE00DB}" dt="2024-03-09T02:06:15.303" v="642" actId="478"/>
-          <ac:spMkLst>
-            <pc:docMk/>
-            <pc:sldMk cId="201838432" sldId="258"/>
-            <ac:spMk id="6" creationId="{B0D7878E-13C0-E702-5ED1-45EECE4A487E}"/>
-          </ac:spMkLst>
-        </pc:spChg>
-        <pc:picChg chg="mod">
-          <ac:chgData name="Kosi Okeke" userId="84c5b2b12e6fd948" providerId="LiveId" clId="{2E517008-7565-4B4F-9F39-8AFACFAE00DB}" dt="2024-03-09T02:07:25.860" v="654" actId="14100"/>
-          <ac:picMkLst>
-            <pc:docMk/>
-            <pc:sldMk cId="201838432" sldId="258"/>
-            <ac:picMk id="9" creationId="{19C6A470-F770-A7D2-BF22-F7840604E013}"/>
-          </ac:picMkLst>
-        </pc:picChg>
-      </pc:sldChg>
-      <pc:sldChg chg="modSp mod modAnim">
-        <pc:chgData name="Kosi Okeke" userId="84c5b2b12e6fd948" providerId="LiveId" clId="{2E517008-7565-4B4F-9F39-8AFACFAE00DB}" dt="2024-03-09T02:24:51.626" v="691"/>
-        <pc:sldMkLst>
-          <pc:docMk/>
-          <pc:sldMk cId="1575765962" sldId="259"/>
-        </pc:sldMkLst>
-        <pc:spChg chg="mod">
-          <ac:chgData name="Kosi Okeke" userId="84c5b2b12e6fd948" providerId="LiveId" clId="{2E517008-7565-4B4F-9F39-8AFACFAE00DB}" dt="2024-03-09T01:17:54.338" v="491" actId="1076"/>
-          <ac:spMkLst>
-            <pc:docMk/>
-            <pc:sldMk cId="1575765962" sldId="259"/>
-            <ac:spMk id="2" creationId="{94B6110E-BA9F-C3C4-4DD2-8B0F9A7E2347}"/>
-          </ac:spMkLst>
-        </pc:spChg>
-        <pc:picChg chg="mod">
-          <ac:chgData name="Kosi Okeke" userId="84c5b2b12e6fd948" providerId="LiveId" clId="{2E517008-7565-4B4F-9F39-8AFACFAE00DB}" dt="2024-03-09T01:32:34.201" v="508" actId="1076"/>
-          <ac:picMkLst>
-            <pc:docMk/>
-            <pc:sldMk cId="1575765962" sldId="259"/>
-            <ac:picMk id="7" creationId="{9B9649B8-2284-5DF8-A9B8-0801C0C6778D}"/>
-          </ac:picMkLst>
-        </pc:picChg>
-      </pc:sldChg>
-      <pc:sldChg chg="addSp modSp mod modAnim modNotesTx">
-        <pc:chgData name="Kosi Okeke" userId="84c5b2b12e6fd948" providerId="LiveId" clId="{2E517008-7565-4B4F-9F39-8AFACFAE00DB}" dt="2024-03-09T02:16:06.210" v="690" actId="20577"/>
-        <pc:sldMkLst>
-          <pc:docMk/>
-          <pc:sldMk cId="4199086376" sldId="260"/>
-        </pc:sldMkLst>
-        <pc:spChg chg="add mod">
-          <ac:chgData name="Kosi Okeke" userId="84c5b2b12e6fd948" providerId="LiveId" clId="{2E517008-7565-4B4F-9F39-8AFACFAE00DB}" dt="2024-03-09T01:46:02.468" v="636" actId="208"/>
-          <ac:spMkLst>
-            <pc:docMk/>
-            <pc:sldMk cId="4199086376" sldId="260"/>
-            <ac:spMk id="4" creationId="{F0FD3CCC-01EE-FCB9-8C97-BBF7E6E82FFD}"/>
-          </ac:spMkLst>
-        </pc:spChg>
-        <pc:spChg chg="add mod">
-          <ac:chgData name="Kosi Okeke" userId="84c5b2b12e6fd948" providerId="LiveId" clId="{2E517008-7565-4B4F-9F39-8AFACFAE00DB}" dt="2024-03-09T01:44:37.949" v="625" actId="1076"/>
-          <ac:spMkLst>
-            <pc:docMk/>
-            <pc:sldMk cId="4199086376" sldId="260"/>
-            <ac:spMk id="7" creationId="{112E518B-BD3D-3D8E-F7E6-B96C3B9EA4CF}"/>
-          </ac:spMkLst>
-        </pc:spChg>
-        <pc:picChg chg="mod">
-          <ac:chgData name="Kosi Okeke" userId="84c5b2b12e6fd948" providerId="LiveId" clId="{2E517008-7565-4B4F-9F39-8AFACFAE00DB}" dt="2024-03-09T01:44:48.946" v="629" actId="1076"/>
-          <ac:picMkLst>
-            <pc:docMk/>
-            <pc:sldMk cId="4199086376" sldId="260"/>
-            <ac:picMk id="8" creationId="{D3D2CF98-F541-E159-1C42-708BA3089664}"/>
-          </ac:picMkLst>
-        </pc:picChg>
-        <pc:picChg chg="mod">
-          <ac:chgData name="Kosi Okeke" userId="84c5b2b12e6fd948" providerId="LiveId" clId="{2E517008-7565-4B4F-9F39-8AFACFAE00DB}" dt="2024-03-09T01:44:32.579" v="624" actId="1076"/>
-          <ac:picMkLst>
-            <pc:docMk/>
-            <pc:sldMk cId="4199086376" sldId="260"/>
-            <ac:picMk id="9" creationId="{067AD37A-2F24-AAD4-6437-A1A3C58E76F0}"/>
-          </ac:picMkLst>
-        </pc:picChg>
-      </pc:sldChg>
-      <pc:sldChg chg="modAnim">
-        <pc:chgData name="Kosi Okeke" userId="84c5b2b12e6fd948" providerId="LiveId" clId="{2E517008-7565-4B4F-9F39-8AFACFAE00DB}" dt="2024-03-09T02:25:44.879" v="692"/>
-        <pc:sldMkLst>
-          <pc:docMk/>
-          <pc:sldMk cId="2017348446" sldId="261"/>
-        </pc:sldMkLst>
-      </pc:sldChg>
-      <pc:sldChg chg="modSp mod modAnim modNotesTx">
-        <pc:chgData name="Kosi Okeke" userId="84c5b2b12e6fd948" providerId="LiveId" clId="{2E517008-7565-4B4F-9F39-8AFACFAE00DB}" dt="2024-03-09T05:28:14.160" v="964" actId="33524"/>
-        <pc:sldMkLst>
-          <pc:docMk/>
-          <pc:sldMk cId="913092285" sldId="262"/>
-        </pc:sldMkLst>
-        <pc:spChg chg="mod">
-          <ac:chgData name="Kosi Okeke" userId="84c5b2b12e6fd948" providerId="LiveId" clId="{2E517008-7565-4B4F-9F39-8AFACFAE00DB}" dt="2024-03-09T02:39:11.867" v="915" actId="20577"/>
-          <ac:spMkLst>
-            <pc:docMk/>
-            <pc:sldMk cId="913092285" sldId="262"/>
-            <ac:spMk id="3" creationId="{5D9F5D07-7826-1E05-0BC2-929FB8EA99B9}"/>
-          </ac:spMkLst>
-        </pc:spChg>
-        <pc:picChg chg="mod">
-          <ac:chgData name="Kosi Okeke" userId="84c5b2b12e6fd948" providerId="LiveId" clId="{2E517008-7565-4B4F-9F39-8AFACFAE00DB}" dt="2024-03-09T02:38:26.731" v="907" actId="14100"/>
-          <ac:picMkLst>
-            <pc:docMk/>
-            <pc:sldMk cId="913092285" sldId="262"/>
-            <ac:picMk id="6" creationId="{9014A9C7-2D78-009A-7CB0-B3E05D84AD28}"/>
-          </ac:picMkLst>
-        </pc:picChg>
-      </pc:sldChg>
-      <pc:sldChg chg="modNotesTx">
-        <pc:chgData name="Kosi Okeke" userId="84c5b2b12e6fd948" providerId="LiveId" clId="{2E517008-7565-4B4F-9F39-8AFACFAE00DB}" dt="2024-03-09T05:13:53.508" v="963" actId="12"/>
-        <pc:sldMkLst>
-          <pc:docMk/>
-          <pc:sldMk cId="2933674498" sldId="264"/>
-        </pc:sldMkLst>
-      </pc:sldChg>
-      <pc:sldChg chg="modSp new mod modAnim">
-        <pc:chgData name="Kosi Okeke" userId="84c5b2b12e6fd948" providerId="LiveId" clId="{2E517008-7565-4B4F-9F39-8AFACFAE00DB}" dt="2024-03-09T03:00:51.148" v="926"/>
-        <pc:sldMkLst>
-          <pc:docMk/>
-          <pc:sldMk cId="1130659118" sldId="265"/>
-        </pc:sldMkLst>
-        <pc:spChg chg="mod">
-          <ac:chgData name="Kosi Okeke" userId="84c5b2b12e6fd948" providerId="LiveId" clId="{2E517008-7565-4B4F-9F39-8AFACFAE00DB}" dt="2024-03-08T23:59:44.876" v="32" actId="6549"/>
-          <ac:spMkLst>
-            <pc:docMk/>
-            <pc:sldMk cId="1130659118" sldId="265"/>
-            <ac:spMk id="2" creationId="{B3396D56-2D27-71B4-82E9-12509FAF9248}"/>
-          </ac:spMkLst>
-        </pc:spChg>
-        <pc:spChg chg="mod">
-          <ac:chgData name="Kosi Okeke" userId="84c5b2b12e6fd948" providerId="LiveId" clId="{2E517008-7565-4B4F-9F39-8AFACFAE00DB}" dt="2024-03-09T02:11:45.873" v="676" actId="20577"/>
-          <ac:spMkLst>
-            <pc:docMk/>
-            <pc:sldMk cId="1130659118" sldId="265"/>
-            <ac:spMk id="3" creationId="{51E50F62-1A0B-4405-BA7C-C6B35D8AD6FE}"/>
-          </ac:spMkLst>
-        </pc:spChg>
-      </pc:sldChg>
-      <pc:sldChg chg="addSp delSp modSp new mod ord delAnim modAnim modNotesTx">
-        <pc:chgData name="Kosi Okeke" userId="84c5b2b12e6fd948" providerId="LiveId" clId="{2E517008-7565-4B4F-9F39-8AFACFAE00DB}" dt="2024-03-09T02:13:55.299" v="679"/>
-        <pc:sldMkLst>
-          <pc:docMk/>
-          <pc:sldMk cId="715891709" sldId="266"/>
-        </pc:sldMkLst>
-        <pc:spChg chg="mod">
-          <ac:chgData name="Kosi Okeke" userId="84c5b2b12e6fd948" providerId="LiveId" clId="{2E517008-7565-4B4F-9F39-8AFACFAE00DB}" dt="2024-03-09T01:18:00.527" v="492" actId="1076"/>
-          <ac:spMkLst>
-            <pc:docMk/>
-            <pc:sldMk cId="715891709" sldId="266"/>
-            <ac:spMk id="2" creationId="{910451BF-D606-9D34-B293-CACE8EAE7EAC}"/>
-          </ac:spMkLst>
-        </pc:spChg>
-        <pc:spChg chg="del">
-          <ac:chgData name="Kosi Okeke" userId="84c5b2b12e6fd948" providerId="LiveId" clId="{2E517008-7565-4B4F-9F39-8AFACFAE00DB}" dt="2024-03-09T01:16:51.945" v="485"/>
-          <ac:spMkLst>
-            <pc:docMk/>
-            <pc:sldMk cId="715891709" sldId="266"/>
-            <ac:spMk id="3" creationId="{A281BF64-F02D-5E2A-367E-1C133C45FA68}"/>
-          </ac:spMkLst>
-        </pc:spChg>
-        <pc:spChg chg="add del mod">
-          <ac:chgData name="Kosi Okeke" userId="84c5b2b12e6fd948" providerId="LiveId" clId="{2E517008-7565-4B4F-9F39-8AFACFAE00DB}" dt="2024-03-09T01:34:48.182" v="540" actId="21"/>
-          <ac:spMkLst>
-            <pc:docMk/>
-            <pc:sldMk cId="715891709" sldId="266"/>
-            <ac:spMk id="5" creationId="{43FCC35E-BCF2-F1A2-30BB-0E50DCF4C10F}"/>
-          </ac:spMkLst>
-        </pc:spChg>
-        <pc:spChg chg="add mod">
-          <ac:chgData name="Kosi Okeke" userId="84c5b2b12e6fd948" providerId="LiveId" clId="{2E517008-7565-4B4F-9F39-8AFACFAE00DB}" dt="2024-03-09T01:35:01.596" v="543" actId="1076"/>
-          <ac:spMkLst>
-            <pc:docMk/>
-            <pc:sldMk cId="715891709" sldId="266"/>
-            <ac:spMk id="6" creationId="{50ADCCAF-F4AC-C7C0-B49F-A6485FDB616D}"/>
-          </ac:spMkLst>
-        </pc:spChg>
-        <pc:spChg chg="add mod">
-          <ac:chgData name="Kosi Okeke" userId="84c5b2b12e6fd948" providerId="LiveId" clId="{2E517008-7565-4B4F-9F39-8AFACFAE00DB}" dt="2024-03-09T01:36:53.720" v="553" actId="1076"/>
-          <ac:spMkLst>
-            <pc:docMk/>
-            <pc:sldMk cId="715891709" sldId="266"/>
-            <ac:spMk id="7" creationId="{1959EDBF-92A4-5637-5A2E-150131CBB91A}"/>
-          </ac:spMkLst>
-        </pc:spChg>
-        <pc:picChg chg="add mod">
-          <ac:chgData name="Kosi Okeke" userId="84c5b2b12e6fd948" providerId="LiveId" clId="{2E517008-7565-4B4F-9F39-8AFACFAE00DB}" dt="2024-03-09T01:35:26.470" v="547" actId="1076"/>
-          <ac:picMkLst>
-            <pc:docMk/>
-            <pc:sldMk cId="715891709" sldId="266"/>
-            <ac:picMk id="4" creationId="{BAE77F65-BFE8-7057-0F88-D967FB8EBD07}"/>
-          </ac:picMkLst>
-        </pc:picChg>
-      </pc:sldChg>
-      <pc:sldChg chg="addSp delSp modSp new mod ord delAnim modAnim modNotesTx">
-        <pc:chgData name="Kosi Okeke" userId="84c5b2b12e6fd948" providerId="LiveId" clId="{2E517008-7565-4B4F-9F39-8AFACFAE00DB}" dt="2024-03-09T02:14:07.046" v="680" actId="12"/>
-        <pc:sldMkLst>
-          <pc:docMk/>
-          <pc:sldMk cId="2145461783" sldId="267"/>
-        </pc:sldMkLst>
-        <pc:spChg chg="mod">
-          <ac:chgData name="Kosi Okeke" userId="84c5b2b12e6fd948" providerId="LiveId" clId="{2E517008-7565-4B4F-9F39-8AFACFAE00DB}" dt="2024-03-09T01:17:38.735" v="490" actId="1076"/>
-          <ac:spMkLst>
-            <pc:docMk/>
-            <pc:sldMk cId="2145461783" sldId="267"/>
-            <ac:spMk id="2" creationId="{1B5C8317-9B0A-CCE7-48B2-F2FD3B0955F0}"/>
-          </ac:spMkLst>
-        </pc:spChg>
-        <pc:spChg chg="del">
-          <ac:chgData name="Kosi Okeke" userId="84c5b2b12e6fd948" providerId="LiveId" clId="{2E517008-7565-4B4F-9F39-8AFACFAE00DB}" dt="2024-03-09T01:17:00.095" v="486"/>
-          <ac:spMkLst>
-            <pc:docMk/>
-            <pc:sldMk cId="2145461783" sldId="267"/>
-            <ac:spMk id="3" creationId="{77454A45-9349-B53F-7F41-B6BDF291C40E}"/>
-          </ac:spMkLst>
-        </pc:spChg>
-        <pc:spChg chg="add del mod">
-          <ac:chgData name="Kosi Okeke" userId="84c5b2b12e6fd948" providerId="LiveId" clId="{2E517008-7565-4B4F-9F39-8AFACFAE00DB}" dt="2024-03-09T01:34:36.408" v="537" actId="21"/>
-          <ac:spMkLst>
-            <pc:docMk/>
-            <pc:sldMk cId="2145461783" sldId="267"/>
-            <ac:spMk id="5" creationId="{50ADCCAF-F4AC-C7C0-B49F-A6485FDB616D}"/>
-          </ac:spMkLst>
-        </pc:spChg>
-        <pc:spChg chg="add mod">
-          <ac:chgData name="Kosi Okeke" userId="84c5b2b12e6fd948" providerId="LiveId" clId="{2E517008-7565-4B4F-9F39-8AFACFAE00DB}" dt="2024-03-09T01:34:55.968" v="542" actId="1076"/>
-          <ac:spMkLst>
-            <pc:docMk/>
-            <pc:sldMk cId="2145461783" sldId="267"/>
-            <ac:spMk id="6" creationId="{43FCC35E-BCF2-F1A2-30BB-0E50DCF4C10F}"/>
-          </ac:spMkLst>
-        </pc:spChg>
-        <pc:spChg chg="add mod">
-          <ac:chgData name="Kosi Okeke" userId="84c5b2b12e6fd948" providerId="LiveId" clId="{2E517008-7565-4B4F-9F39-8AFACFAE00DB}" dt="2024-03-09T01:37:27.245" v="557" actId="1076"/>
-          <ac:spMkLst>
-            <pc:docMk/>
-            <pc:sldMk cId="2145461783" sldId="267"/>
-            <ac:spMk id="7" creationId="{47C356B7-ABAB-65ED-0559-C98D0485AC78}"/>
-          </ac:spMkLst>
-        </pc:spChg>
-        <pc:picChg chg="add mod">
-          <ac:chgData name="Kosi Okeke" userId="84c5b2b12e6fd948" providerId="LiveId" clId="{2E517008-7565-4B4F-9F39-8AFACFAE00DB}" dt="2024-03-09T01:35:22.304" v="546" actId="1076"/>
-          <ac:picMkLst>
-            <pc:docMk/>
-            <pc:sldMk cId="2145461783" sldId="267"/>
-            <ac:picMk id="4" creationId="{8E70A6FD-5464-6619-E67F-3D4491E8D338}"/>
-          </ac:picMkLst>
-        </pc:picChg>
-      </pc:sldChg>
-      <pc:sldChg chg="modSp mod modAnim modNotesTx">
-        <pc:chgData name="Kosi Okeke" userId="84c5b2b12e6fd948" providerId="LiveId" clId="{2E517008-7565-4B4F-9F39-8AFACFAE00DB}" dt="2024-03-09T05:45:39.456" v="965" actId="20577"/>
-        <pc:sldMkLst>
-          <pc:docMk/>
-          <pc:sldMk cId="1674003163" sldId="268"/>
-        </pc:sldMkLst>
-        <pc:spChg chg="mod">
-          <ac:chgData name="Kosi Okeke" userId="84c5b2b12e6fd948" providerId="LiveId" clId="{2E517008-7565-4B4F-9F39-8AFACFAE00DB}" dt="2024-03-09T05:11:41.649" v="958" actId="20577"/>
-          <ac:spMkLst>
-            <pc:docMk/>
-            <pc:sldMk cId="1674003163" sldId="268"/>
-            <ac:spMk id="2" creationId="{B777A994-E2B9-AA2B-C6E7-8BE7BB4BFA7F}"/>
-          </ac:spMkLst>
-        </pc:spChg>
-        <pc:spChg chg="mod">
-          <ac:chgData name="Kosi Okeke" userId="84c5b2b12e6fd948" providerId="LiveId" clId="{2E517008-7565-4B4F-9F39-8AFACFAE00DB}" dt="2024-03-09T05:45:39.456" v="965" actId="20577"/>
-          <ac:spMkLst>
-            <pc:docMk/>
-            <pc:sldMk cId="1674003163" sldId="268"/>
-            <ac:spMk id="10" creationId="{E6C365A8-A315-9B25-DC09-49B224C62262}"/>
-          </ac:spMkLst>
-        </pc:spChg>
-      </pc:sldChg>
-    </pc:docChg>
-  </pc:docChgLst>
-  <pc:docChgLst>
     <pc:chgData name="Jaren Shead" userId="d5cbae1f2e686c95" providerId="LiveId" clId="{D5CE74E9-1282-48B4-85AE-8762ABDF1ABA}"/>
     <pc:docChg chg="undo custSel addSld modSld">
-      <pc:chgData name="Jaren Shead" userId="d5cbae1f2e686c95" providerId="LiveId" clId="{D5CE74E9-1282-48B4-85AE-8762ABDF1ABA}" dt="2024-03-09T05:36:50.428" v="2937" actId="20577"/>
+      <pc:chgData name="Jaren Shead" userId="d5cbae1f2e686c95" providerId="LiveId" clId="{D5CE74E9-1282-48B4-85AE-8762ABDF1ABA}" dt="2024-03-10T01:51:29.470" v="2978"/>
       <pc:docMkLst>
         <pc:docMk/>
       </pc:docMkLst>
@@ -1212,7 +1290,7 @@
         </pc:picChg>
       </pc:sldChg>
       <pc:sldChg chg="addSp delSp modSp new mod modNotesTx">
-        <pc:chgData name="Jaren Shead" userId="d5cbae1f2e686c95" providerId="LiveId" clId="{D5CE74E9-1282-48B4-85AE-8762ABDF1ABA}" dt="2024-03-09T03:27:37.780" v="2645" actId="403"/>
+        <pc:chgData name="Jaren Shead" userId="d5cbae1f2e686c95" providerId="LiveId" clId="{D5CE74E9-1282-48B4-85AE-8762ABDF1ABA}" dt="2024-03-10T01:51:29.470" v="2978"/>
         <pc:sldMkLst>
           <pc:docMk/>
           <pc:sldMk cId="2144374324" sldId="263"/>
@@ -1239,6 +1317,14 @@
             <pc:docMk/>
             <pc:sldMk cId="2144374324" sldId="263"/>
             <ac:spMk id="3" creationId="{DC432067-88A3-3F20-AA36-A2A668BEBC2A}"/>
+          </ac:spMkLst>
+        </pc:spChg>
+        <pc:spChg chg="add mod">
+          <ac:chgData name="Jaren Shead" userId="d5cbae1f2e686c95" providerId="LiveId" clId="{D5CE74E9-1282-48B4-85AE-8762ABDF1ABA}" dt="2024-03-10T01:51:29.470" v="2978"/>
+          <ac:spMkLst>
+            <pc:docMk/>
+            <pc:sldMk cId="2144374324" sldId="263"/>
+            <ac:spMk id="4" creationId="{B755074A-4860-830B-87BD-D3059E944AF3}"/>
           </ac:spMkLst>
         </pc:spChg>
         <pc:spChg chg="del">
@@ -1532,84 +1618,6 @@
             <ac:picMk id="9" creationId="{F36B8C85-CA6B-D813-5B6B-DF53EFF8662D}"/>
           </ac:picMkLst>
         </pc:picChg>
-      </pc:sldChg>
-    </pc:docChg>
-  </pc:docChgLst>
-  <pc:docChgLst>
-    <pc:chgData name="Kosi Okeke" userId="84c5b2b12e6fd948" providerId="Windows Live" clId="Web-{38A5033D-EB7F-4CF6-9404-D3C4300581F5}"/>
-    <pc:docChg chg="modSld">
-      <pc:chgData name="Kosi Okeke" userId="84c5b2b12e6fd948" providerId="Windows Live" clId="Web-{38A5033D-EB7F-4CF6-9404-D3C4300581F5}" dt="2024-02-27T03:56:35.642" v="67"/>
-      <pc:docMkLst>
-        <pc:docMk/>
-      </pc:docMkLst>
-      <pc:sldChg chg="addSp modSp addAnim">
-        <pc:chgData name="Kosi Okeke" userId="84c5b2b12e6fd948" providerId="Windows Live" clId="Web-{38A5033D-EB7F-4CF6-9404-D3C4300581F5}" dt="2024-02-27T03:51:21.351" v="28"/>
-        <pc:sldMkLst>
-          <pc:docMk/>
-          <pc:sldMk cId="201838432" sldId="258"/>
-        </pc:sldMkLst>
-        <pc:spChg chg="mod">
-          <ac:chgData name="Kosi Okeke" userId="84c5b2b12e6fd948" providerId="Windows Live" clId="Web-{38A5033D-EB7F-4CF6-9404-D3C4300581F5}" dt="2024-02-27T03:50:58.271" v="26" actId="14100"/>
-          <ac:spMkLst>
-            <pc:docMk/>
-            <pc:sldMk cId="201838432" sldId="258"/>
-            <ac:spMk id="3" creationId="{5BDF7291-F587-6863-08C2-F8D557C6DF19}"/>
-          </ac:spMkLst>
-        </pc:spChg>
-        <pc:spChg chg="add mod">
-          <ac:chgData name="Kosi Okeke" userId="84c5b2b12e6fd948" providerId="Windows Live" clId="Web-{38A5033D-EB7F-4CF6-9404-D3C4300581F5}" dt="2024-02-27T03:50:08.533" v="15" actId="1076"/>
-          <ac:spMkLst>
-            <pc:docMk/>
-            <pc:sldMk cId="201838432" sldId="258"/>
-            <ac:spMk id="4" creationId="{5322C9BC-AED3-AB8D-7127-52377DE77F4B}"/>
-          </ac:spMkLst>
-        </pc:spChg>
-        <pc:spChg chg="add mod">
-          <ac:chgData name="Kosi Okeke" userId="84c5b2b12e6fd948" providerId="Windows Live" clId="Web-{38A5033D-EB7F-4CF6-9404-D3C4300581F5}" dt="2024-02-27T03:50:52.396" v="25" actId="20577"/>
-          <ac:spMkLst>
-            <pc:docMk/>
-            <pc:sldMk cId="201838432" sldId="258"/>
-            <ac:spMk id="6" creationId="{B0D7878E-13C0-E702-5ED1-45EECE4A487E}"/>
-          </ac:spMkLst>
-        </pc:spChg>
-      </pc:sldChg>
-      <pc:sldChg chg="addSp delSp modSp addAnim delAnim modAnim">
-        <pc:chgData name="Kosi Okeke" userId="84c5b2b12e6fd948" providerId="Windows Live" clId="Web-{38A5033D-EB7F-4CF6-9404-D3C4300581F5}" dt="2024-02-27T03:55:42.294" v="65"/>
-        <pc:sldMkLst>
-          <pc:docMk/>
-          <pc:sldMk cId="4199086376" sldId="260"/>
-        </pc:sldMkLst>
-        <pc:spChg chg="add del mod">
-          <ac:chgData name="Kosi Okeke" userId="84c5b2b12e6fd948" providerId="Windows Live" clId="Web-{38A5033D-EB7F-4CF6-9404-D3C4300581F5}" dt="2024-02-27T03:53:05.390" v="46"/>
-          <ac:spMkLst>
-            <pc:docMk/>
-            <pc:sldMk cId="4199086376" sldId="260"/>
-            <ac:spMk id="3" creationId="{60E4F471-C81B-3AB2-A873-1C5364B6F819}"/>
-          </ac:spMkLst>
-        </pc:spChg>
-        <pc:spChg chg="add mod">
-          <ac:chgData name="Kosi Okeke" userId="84c5b2b12e6fd948" providerId="Windows Live" clId="Web-{38A5033D-EB7F-4CF6-9404-D3C4300581F5}" dt="2024-02-27T03:52:24.012" v="41" actId="14100"/>
-          <ac:spMkLst>
-            <pc:docMk/>
-            <pc:sldMk cId="4199086376" sldId="260"/>
-            <ac:spMk id="5" creationId="{4CF32C30-BC84-C8DE-25DA-BF3151C97348}"/>
-          </ac:spMkLst>
-        </pc:spChg>
-        <pc:spChg chg="add del mod">
-          <ac:chgData name="Kosi Okeke" userId="84c5b2b12e6fd948" providerId="Windows Live" clId="Web-{38A5033D-EB7F-4CF6-9404-D3C4300581F5}" dt="2024-02-27T03:53:05.390" v="46"/>
-          <ac:spMkLst>
-            <pc:docMk/>
-            <pc:sldMk cId="4199086376" sldId="260"/>
-            <ac:spMk id="7" creationId="{0D9532A7-0FBA-C240-8884-37B09406FE69}"/>
-          </ac:spMkLst>
-        </pc:spChg>
-      </pc:sldChg>
-      <pc:sldChg chg="addAnim">
-        <pc:chgData name="Kosi Okeke" userId="84c5b2b12e6fd948" providerId="Windows Live" clId="Web-{38A5033D-EB7F-4CF6-9404-D3C4300581F5}" dt="2024-02-27T03:56:35.642" v="67"/>
-        <pc:sldMkLst>
-          <pc:docMk/>
-          <pc:sldMk cId="913092285" sldId="262"/>
-        </pc:sldMkLst>
       </pc:sldChg>
     </pc:docChg>
   </pc:docChgLst>
@@ -1698,7 +1706,7 @@
           <a:p>
             <a:fld id="{692E29E4-EFB1-4112-8299-C71E71712079}" type="datetimeFigureOut">
               <a:rPr lang="en-US" smtClean="0"/>
-              <a:t>3/8/2024</a:t>
+              <a:t>3/9/2024</a:t>
             </a:fld>
             <a:endParaRPr lang="en-US"/>
           </a:p>
@@ -7968,6 +7976,56 @@
               </a:rPr>
               <a:t>Thank You!</a:t>
             </a:r>
+          </a:p>
+        </p:txBody>
+      </p:sp>
+      <p:sp>
+        <p:nvSpPr>
+          <p:cNvPr id="4" name="TextBox 3">
+            <a:extLst>
+              <a:ext uri="{FF2B5EF4-FFF2-40B4-BE49-F238E27FC236}">
+                <a16:creationId xmlns:a16="http://schemas.microsoft.com/office/drawing/2014/main" id="{B755074A-4860-830B-87BD-D3059E944AF3}"/>
+              </a:ext>
+            </a:extLst>
+          </p:cNvPr>
+          <p:cNvSpPr txBox="1"/>
+          <p:nvPr/>
+        </p:nvSpPr>
+        <p:spPr>
+          <a:xfrm>
+            <a:off x="1195753" y="6374719"/>
+            <a:ext cx="7863699" cy="369332"/>
+          </a:xfrm>
+          <a:prstGeom prst="rect">
+            <a:avLst/>
+          </a:prstGeom>
+          <a:noFill/>
+        </p:spPr>
+        <p:txBody>
+          <a:bodyPr wrap="square" rtlCol="0">
+            <a:spAutoFit/>
+          </a:bodyPr>
+          <a:lstStyle/>
+          <a:p>
+            <a:r>
+              <a:rPr lang="en-US" dirty="0">
+                <a:latin typeface="Cambria" panose="02040503050406030204" pitchFamily="18" charset="0"/>
+                <a:ea typeface="Cambria" panose="02040503050406030204" pitchFamily="18" charset="0"/>
+              </a:rPr>
+              <a:t>Link to Presentation: </a:t>
+            </a:r>
+            <a:r>
+              <a:rPr lang="en-US" dirty="0">
+                <a:latin typeface="Cambria" panose="02040503050406030204" pitchFamily="18" charset="0"/>
+                <a:ea typeface="Cambria" panose="02040503050406030204" pitchFamily="18" charset="0"/>
+                <a:hlinkClick r:id="rId5"/>
+              </a:rPr>
+              <a:t>https://youtu.be/2Mgc8_C71eY?si=7qpE036cY3x7C30u</a:t>
+            </a:r>
+            <a:endParaRPr lang="en-US" dirty="0">
+              <a:latin typeface="Cambria" panose="02040503050406030204" pitchFamily="18" charset="0"/>
+              <a:ea typeface="Cambria" panose="02040503050406030204" pitchFamily="18" charset="0"/>
+            </a:endParaRPr>
           </a:p>
         </p:txBody>
       </p:sp>
